--- a/hw5/숙제5_2022184015_김해님.pptx
+++ b/hw5/숙제5_2022184015_김해님.pptx
@@ -6284,7 +6284,7 @@
               <a:t>6. </a:t>
             </a:r>
             <a:r>
-              <a:rPr lang="ko-KR" altLang="en-US" sz="2000"/>
+              <a:rPr lang="ko-KR" altLang="en-US" sz="2000" dirty="0"/>
               <a:t>랜덤하게 </a:t>
             </a:r>
             <a:r>
@@ -6292,7 +6292,7 @@
               <a:t>1~20</a:t>
             </a:r>
             <a:r>
-              <a:rPr lang="ko-KR" altLang="en-US" sz="2000"/>
+              <a:rPr lang="ko-KR" altLang="en-US" sz="2000" dirty="0"/>
               <a:t>까지의 숫자를 </a:t>
             </a:r>
             <a:r>
@@ -6300,22 +6300,21 @@
               <a:t>20</a:t>
             </a:r>
             <a:r>
-              <a:rPr lang="ko-KR" altLang="en-US" sz="2000"/>
+              <a:rPr lang="ko-KR" altLang="en-US" sz="2000" dirty="0"/>
               <a:t>개 채운 후에</a:t>
             </a:r>
             <a:r>
-              <a:rPr lang="en-US" altLang="ko-KR" sz="2000"/>
+              <a:rPr lang="en-US" altLang="ko-KR" sz="2000" dirty="0"/>
               <a:t>, </a:t>
             </a:r>
             <a:r>
-              <a:rPr lang="ko-KR" altLang="en-US" sz="2000"/>
+              <a:rPr lang="ko-KR" altLang="en-US" sz="2000" dirty="0"/>
               <a:t>뽑힌 숫자 목록을 추출하는 코드를 작성하세요</a:t>
             </a:r>
             <a:r>
-              <a:rPr lang="en-US" altLang="ko-KR" sz="2000"/>
+              <a:rPr lang="en-US" altLang="ko-KR" sz="2000" dirty="0"/>
               <a:t>.</a:t>
             </a:r>
-            <a:endParaRPr lang="en-US" altLang="ko-KR" sz="2000" dirty="0"/>
           </a:p>
           <a:p>
             <a:pPr marL="0" indent="0">
@@ -6510,6 +6509,49 @@
           </a:prstGeom>
         </p:spPr>
       </p:pic>
+      <p:pic>
+        <p:nvPicPr>
+          <p:cNvPr id="8" name="그림 7">
+            <a:extLst>
+              <a:ext uri="{FF2B5EF4-FFF2-40B4-BE49-F238E27FC236}">
+                <a16:creationId xmlns:a16="http://schemas.microsoft.com/office/drawing/2014/main" id="{2CA3EFDC-A580-69B4-DBA7-4C703DE6DE41}"/>
+              </a:ext>
+            </a:extLst>
+          </p:cNvPr>
+          <p:cNvPicPr>
+            <a:picLocks noChangeAspect="1"/>
+          </p:cNvPicPr>
+          <p:nvPr/>
+        </p:nvPicPr>
+        <p:blipFill>
+          <a:blip r:embed="rId4"/>
+          <a:stretch>
+            <a:fillRect/>
+          </a:stretch>
+        </p:blipFill>
+        <p:spPr>
+          <a:xfrm>
+            <a:off x="1349896" y="1698063"/>
+            <a:ext cx="6444208" cy="4563095"/>
+          </a:xfrm>
+          <a:prstGeom prst="rect">
+            <a:avLst/>
+          </a:prstGeom>
+          <a:ln w="57150" cap="sq">
+            <a:solidFill>
+              <a:schemeClr val="accent1"/>
+            </a:solidFill>
+            <a:miter lim="800000"/>
+          </a:ln>
+          <a:effectLst>
+            <a:outerShdw blurRad="57150" dist="50800" dir="2700000" algn="tl" rotWithShape="0">
+              <a:srgbClr val="000000">
+                <a:alpha val="40000"/>
+              </a:srgbClr>
+            </a:outerShdw>
+          </a:effectLst>
+        </p:spPr>
+      </p:pic>
     </p:spTree>
     <p:extLst>
       <p:ext uri="{BB962C8B-B14F-4D97-AF65-F5344CB8AC3E}">
@@ -6866,6 +6908,49 @@
           </a:prstGeom>
         </p:spPr>
       </p:pic>
+      <p:pic>
+        <p:nvPicPr>
+          <p:cNvPr id="8" name="그림 7">
+            <a:extLst>
+              <a:ext uri="{FF2B5EF4-FFF2-40B4-BE49-F238E27FC236}">
+                <a16:creationId xmlns:a16="http://schemas.microsoft.com/office/drawing/2014/main" id="{EDE970F1-673A-20A6-262D-88E2CA0BD273}"/>
+              </a:ext>
+            </a:extLst>
+          </p:cNvPr>
+          <p:cNvPicPr>
+            <a:picLocks noChangeAspect="1"/>
+          </p:cNvPicPr>
+          <p:nvPr/>
+        </p:nvPicPr>
+        <p:blipFill>
+          <a:blip r:embed="rId4"/>
+          <a:stretch>
+            <a:fillRect/>
+          </a:stretch>
+        </p:blipFill>
+        <p:spPr>
+          <a:xfrm>
+            <a:off x="809836" y="1785358"/>
+            <a:ext cx="7524328" cy="4570992"/>
+          </a:xfrm>
+          <a:prstGeom prst="rect">
+            <a:avLst/>
+          </a:prstGeom>
+          <a:ln w="57150" cap="sq">
+            <a:solidFill>
+              <a:schemeClr val="accent1"/>
+            </a:solidFill>
+            <a:miter lim="800000"/>
+          </a:ln>
+          <a:effectLst>
+            <a:outerShdw blurRad="57150" dist="50800" dir="2700000" algn="tl" rotWithShape="0">
+              <a:srgbClr val="000000">
+                <a:alpha val="40000"/>
+              </a:srgbClr>
+            </a:outerShdw>
+          </a:effectLst>
+        </p:spPr>
+      </p:pic>
     </p:spTree>
     <p:extLst>
       <p:ext uri="{BB962C8B-B14F-4D97-AF65-F5344CB8AC3E}">
@@ -7200,6 +7285,49 @@
           <a:prstGeom prst="rect">
             <a:avLst/>
           </a:prstGeom>
+        </p:spPr>
+      </p:pic>
+      <p:pic>
+        <p:nvPicPr>
+          <p:cNvPr id="8" name="그림 7">
+            <a:extLst>
+              <a:ext uri="{FF2B5EF4-FFF2-40B4-BE49-F238E27FC236}">
+                <a16:creationId xmlns:a16="http://schemas.microsoft.com/office/drawing/2014/main" id="{F63DF330-7C7F-C093-05D4-A3ABB7FDB6AF}"/>
+              </a:ext>
+            </a:extLst>
+          </p:cNvPr>
+          <p:cNvPicPr>
+            <a:picLocks noChangeAspect="1"/>
+          </p:cNvPicPr>
+          <p:nvPr/>
+        </p:nvPicPr>
+        <p:blipFill>
+          <a:blip r:embed="rId4"/>
+          <a:stretch>
+            <a:fillRect/>
+          </a:stretch>
+        </p:blipFill>
+        <p:spPr>
+          <a:xfrm>
+            <a:off x="879276" y="1172653"/>
+            <a:ext cx="7380312" cy="4766887"/>
+          </a:xfrm>
+          <a:prstGeom prst="rect">
+            <a:avLst/>
+          </a:prstGeom>
+          <a:ln w="57150" cap="sq">
+            <a:solidFill>
+              <a:schemeClr val="accent1"/>
+            </a:solidFill>
+            <a:miter lim="800000"/>
+          </a:ln>
+          <a:effectLst>
+            <a:outerShdw blurRad="57150" dist="50800" dir="2700000" algn="tl" rotWithShape="0">
+              <a:srgbClr val="000000">
+                <a:alpha val="40000"/>
+              </a:srgbClr>
+            </a:outerShdw>
+          </a:effectLst>
         </p:spPr>
       </p:pic>
     </p:spTree>

--- a/hw5/숙제5_2022184015_김해님.pptx
+++ b/hw5/숙제5_2022184015_김해님.pptx
@@ -275,7 +275,7 @@
               <a:pPr>
                 <a:defRPr/>
               </a:pPr>
-              <a:t>2025-04-07</a:t>
+              <a:t>2025-04-09</a:t>
             </a:fld>
             <a:endParaRPr lang="ko-KR" altLang="en-US"/>
           </a:p>
@@ -7653,6 +7653,49 @@
           </a:prstGeom>
         </p:spPr>
       </p:pic>
+      <p:pic>
+        <p:nvPicPr>
+          <p:cNvPr id="8" name="그림 7">
+            <a:extLst>
+              <a:ext uri="{FF2B5EF4-FFF2-40B4-BE49-F238E27FC236}">
+                <a16:creationId xmlns:a16="http://schemas.microsoft.com/office/drawing/2014/main" id="{CEB101CD-E58B-7F34-B9CB-B10A0B440976}"/>
+              </a:ext>
+            </a:extLst>
+          </p:cNvPr>
+          <p:cNvPicPr>
+            <a:picLocks noChangeAspect="1"/>
+          </p:cNvPicPr>
+          <p:nvPr/>
+        </p:nvPicPr>
+        <p:blipFill>
+          <a:blip r:embed="rId4"/>
+          <a:stretch>
+            <a:fillRect/>
+          </a:stretch>
+        </p:blipFill>
+        <p:spPr>
+          <a:xfrm>
+            <a:off x="1583396" y="1943790"/>
+            <a:ext cx="5972072" cy="4568497"/>
+          </a:xfrm>
+          <a:prstGeom prst="rect">
+            <a:avLst/>
+          </a:prstGeom>
+          <a:ln w="57150" cap="sq">
+            <a:solidFill>
+              <a:schemeClr val="accent1"/>
+            </a:solidFill>
+            <a:miter lim="800000"/>
+          </a:ln>
+          <a:effectLst>
+            <a:outerShdw blurRad="57150" dist="50800" dir="2700000" algn="tl" rotWithShape="0">
+              <a:srgbClr val="000000">
+                <a:alpha val="40000"/>
+              </a:srgbClr>
+            </a:outerShdw>
+          </a:effectLst>
+        </p:spPr>
+      </p:pic>
     </p:spTree>
     <p:extLst>
       <p:ext uri="{BB962C8B-B14F-4D97-AF65-F5344CB8AC3E}">
@@ -8122,6 +8165,49 @@
           <a:prstGeom prst="rect">
             <a:avLst/>
           </a:prstGeom>
+        </p:spPr>
+      </p:pic>
+      <p:pic>
+        <p:nvPicPr>
+          <p:cNvPr id="8" name="그림 7">
+            <a:extLst>
+              <a:ext uri="{FF2B5EF4-FFF2-40B4-BE49-F238E27FC236}">
+                <a16:creationId xmlns:a16="http://schemas.microsoft.com/office/drawing/2014/main" id="{6CF04999-9F1C-4B44-095D-CFB2761FDDCD}"/>
+              </a:ext>
+            </a:extLst>
+          </p:cNvPr>
+          <p:cNvPicPr>
+            <a:picLocks noChangeAspect="1"/>
+          </p:cNvPicPr>
+          <p:nvPr/>
+        </p:nvPicPr>
+        <p:blipFill>
+          <a:blip r:embed="rId4"/>
+          <a:stretch>
+            <a:fillRect/>
+          </a:stretch>
+        </p:blipFill>
+        <p:spPr>
+          <a:xfrm>
+            <a:off x="1292832" y="2017919"/>
+            <a:ext cx="6553200" cy="4463557"/>
+          </a:xfrm>
+          <a:prstGeom prst="rect">
+            <a:avLst/>
+          </a:prstGeom>
+          <a:ln w="57150" cap="sq">
+            <a:solidFill>
+              <a:schemeClr val="accent1"/>
+            </a:solidFill>
+            <a:miter lim="800000"/>
+          </a:ln>
+          <a:effectLst>
+            <a:outerShdw blurRad="57150" dist="50800" dir="2700000" algn="tl" rotWithShape="0">
+              <a:srgbClr val="000000">
+                <a:alpha val="40000"/>
+              </a:srgbClr>
+            </a:outerShdw>
+          </a:effectLst>
         </p:spPr>
       </p:pic>
     </p:spTree>
